--- a/pwesentatie/helpiamstuckinappt.pptx
+++ b/pwesentatie/helpiamstuckinappt.pptx
@@ -7,10 +7,9 @@
   <p:sldIdLst>
     <p:sldId id="256" r:id="rId2"/>
     <p:sldId id="257" r:id="rId3"/>
-    <p:sldId id="258" r:id="rId4"/>
-    <p:sldId id="259" r:id="rId5"/>
-    <p:sldId id="260" r:id="rId6"/>
-    <p:sldId id="261" r:id="rId7"/>
+    <p:sldId id="259" r:id="rId4"/>
+    <p:sldId id="260" r:id="rId5"/>
+    <p:sldId id="261" r:id="rId6"/>
   </p:sldIdLst>
   <p:sldSz cx="12192000" cy="6858000"/>
   <p:notesSz cx="6858000" cy="9144000"/>
@@ -306,7 +305,7 @@
             <a:fld id="{B61BEF0D-F0BB-DE4B-95CE-6DB70DBA9567}" type="datetimeFigureOut">
               <a:rPr lang="en-US" dirty="0"/>
               <a:pPr/>
-              <a:t>12-Jun-17</a:t>
+              <a:t>13-Jun-17</a:t>
             </a:fld>
             <a:endParaRPr lang="en-US" dirty="0"/>
           </a:p>
@@ -641,7 +640,7 @@
             <a:fld id="{B61BEF0D-F0BB-DE4B-95CE-6DB70DBA9567}" type="datetimeFigureOut">
               <a:rPr lang="en-US" dirty="0"/>
               <a:pPr/>
-              <a:t>12-Jun-17</a:t>
+              <a:t>13-Jun-17</a:t>
             </a:fld>
             <a:endParaRPr lang="en-US" dirty="0"/>
           </a:p>
@@ -1039,7 +1038,7 @@
             <a:fld id="{B61BEF0D-F0BB-DE4B-95CE-6DB70DBA9567}" type="datetimeFigureOut">
               <a:rPr lang="en-US" dirty="0"/>
               <a:pPr/>
-              <a:t>12-Jun-17</a:t>
+              <a:t>13-Jun-17</a:t>
             </a:fld>
             <a:endParaRPr lang="en-US" dirty="0"/>
           </a:p>
@@ -1372,7 +1371,7 @@
             <a:fld id="{B61BEF0D-F0BB-DE4B-95CE-6DB70DBA9567}" type="datetimeFigureOut">
               <a:rPr lang="en-US" dirty="0"/>
               <a:pPr/>
-              <a:t>12-Jun-17</a:t>
+              <a:t>13-Jun-17</a:t>
             </a:fld>
             <a:endParaRPr lang="en-US" dirty="0"/>
           </a:p>
@@ -1689,7 +1688,7 @@
             <a:fld id="{B61BEF0D-F0BB-DE4B-95CE-6DB70DBA9567}" type="datetimeFigureOut">
               <a:rPr lang="en-US" dirty="0"/>
               <a:pPr/>
-              <a:t>12-Jun-17</a:t>
+              <a:t>13-Jun-17</a:t>
             </a:fld>
             <a:endParaRPr lang="en-US" dirty="0"/>
           </a:p>
@@ -2082,7 +2081,7 @@
             <a:fld id="{B61BEF0D-F0BB-DE4B-95CE-6DB70DBA9567}" type="datetimeFigureOut">
               <a:rPr lang="en-US" dirty="0"/>
               <a:pPr/>
-              <a:t>12-Jun-17</a:t>
+              <a:t>13-Jun-17</a:t>
             </a:fld>
             <a:endParaRPr lang="en-US" dirty="0"/>
           </a:p>
@@ -2336,7 +2335,7 @@
             <a:fld id="{B61BEF0D-F0BB-DE4B-95CE-6DB70DBA9567}" type="datetimeFigureOut">
               <a:rPr lang="en-US" dirty="0"/>
               <a:pPr/>
-              <a:t>12-Jun-17</a:t>
+              <a:t>13-Jun-17</a:t>
             </a:fld>
             <a:endParaRPr lang="en-US" dirty="0"/>
           </a:p>
@@ -2595,7 +2594,7 @@
             <a:fld id="{B61BEF0D-F0BB-DE4B-95CE-6DB70DBA9567}" type="datetimeFigureOut">
               <a:rPr lang="en-US" dirty="0"/>
               <a:pPr/>
-              <a:t>12-Jun-17</a:t>
+              <a:t>13-Jun-17</a:t>
             </a:fld>
             <a:endParaRPr lang="en-US" dirty="0"/>
           </a:p>
@@ -2854,7 +2853,7 @@
             <a:fld id="{B61BEF0D-F0BB-DE4B-95CE-6DB70DBA9567}" type="datetimeFigureOut">
               <a:rPr lang="en-US" dirty="0"/>
               <a:pPr/>
-              <a:t>12-Jun-17</a:t>
+              <a:t>13-Jun-17</a:t>
             </a:fld>
             <a:endParaRPr lang="en-US" dirty="0"/>
           </a:p>
@@ -3180,7 +3179,7 @@
             <a:fld id="{B61BEF0D-F0BB-DE4B-95CE-6DB70DBA9567}" type="datetimeFigureOut">
               <a:rPr lang="en-US" dirty="0"/>
               <a:pPr/>
-              <a:t>12-Jun-17</a:t>
+              <a:t>13-Jun-17</a:t>
             </a:fld>
             <a:endParaRPr lang="en-US" dirty="0"/>
           </a:p>
@@ -3500,7 +3499,7 @@
             <a:fld id="{B61BEF0D-F0BB-DE4B-95CE-6DB70DBA9567}" type="datetimeFigureOut">
               <a:rPr lang="en-US" dirty="0"/>
               <a:pPr/>
-              <a:t>12-Jun-17</a:t>
+              <a:t>13-Jun-17</a:t>
             </a:fld>
             <a:endParaRPr lang="en-US" dirty="0"/>
           </a:p>
@@ -3954,7 +3953,7 @@
             <a:fld id="{B61BEF0D-F0BB-DE4B-95CE-6DB70DBA9567}" type="datetimeFigureOut">
               <a:rPr lang="en-US" dirty="0"/>
               <a:pPr/>
-              <a:t>12-Jun-17</a:t>
+              <a:t>13-Jun-17</a:t>
             </a:fld>
             <a:endParaRPr lang="en-US" dirty="0"/>
           </a:p>
@@ -4156,7 +4155,7 @@
             <a:fld id="{B61BEF0D-F0BB-DE4B-95CE-6DB70DBA9567}" type="datetimeFigureOut">
               <a:rPr lang="en-US" dirty="0"/>
               <a:pPr/>
-              <a:t>12-Jun-17</a:t>
+              <a:t>13-Jun-17</a:t>
             </a:fld>
             <a:endParaRPr lang="en-US" dirty="0"/>
           </a:p>
@@ -4330,7 +4329,7 @@
             <a:fld id="{B61BEF0D-F0BB-DE4B-95CE-6DB70DBA9567}" type="datetimeFigureOut">
               <a:rPr lang="en-US" dirty="0"/>
               <a:pPr/>
-              <a:t>12-Jun-17</a:t>
+              <a:t>13-Jun-17</a:t>
             </a:fld>
             <a:endParaRPr lang="en-US" dirty="0"/>
           </a:p>
@@ -4660,7 +4659,7 @@
             <a:fld id="{B61BEF0D-F0BB-DE4B-95CE-6DB70DBA9567}" type="datetimeFigureOut">
               <a:rPr lang="en-US" dirty="0"/>
               <a:pPr/>
-              <a:t>12-Jun-17</a:t>
+              <a:t>13-Jun-17</a:t>
             </a:fld>
             <a:endParaRPr lang="en-US" dirty="0"/>
           </a:p>
@@ -5002,7 +5001,7 @@
             <a:fld id="{B61BEF0D-F0BB-DE4B-95CE-6DB70DBA9567}" type="datetimeFigureOut">
               <a:rPr lang="en-US" dirty="0"/>
               <a:pPr/>
-              <a:t>12-Jun-17</a:t>
+              <a:t>13-Jun-17</a:t>
             </a:fld>
             <a:endParaRPr lang="en-US" dirty="0"/>
           </a:p>
@@ -7116,7 +7115,7 @@
             <a:fld id="{B61BEF0D-F0BB-DE4B-95CE-6DB70DBA9567}" type="datetimeFigureOut">
               <a:rPr lang="en-US" dirty="0"/>
               <a:pPr/>
-              <a:t>12-Jun-17</a:t>
+              <a:t>13-Jun-17</a:t>
             </a:fld>
             <a:endParaRPr lang="en-US" dirty="0"/>
           </a:p>
@@ -7672,11 +7671,7 @@
           <a:p>
             <a:r>
               <a:rPr lang="nl-NL" dirty="0" smtClean="0"/>
-              <a:t>Projectgroep </a:t>
-            </a:r>
-            <a:r>
-              <a:rPr lang="nl-NL" dirty="0" smtClean="0"/>
-              <a:t>10</a:t>
+              <a:t>Projectgroep 10</a:t>
             </a:r>
             <a:endParaRPr lang="nl-NL" dirty="0"/>
           </a:p>
@@ -7687,27 +7682,7 @@
             </a:r>
             <a:r>
               <a:rPr lang="nl-NL" dirty="0" smtClean="0"/>
-              <a:t>oen </a:t>
-            </a:r>
-            <a:r>
-              <a:rPr lang="nl-NL" dirty="0" smtClean="0"/>
-              <a:t>van der Heide, Rick </a:t>
-            </a:r>
-            <a:r>
-              <a:rPr lang="nl-NL" dirty="0" smtClean="0"/>
-              <a:t>Beeloo, </a:t>
-            </a:r>
-            <a:r>
-              <a:rPr lang="nl-NL" dirty="0" smtClean="0"/>
-              <a:t>Thomas de </a:t>
-            </a:r>
-            <a:r>
-              <a:rPr lang="nl-NL" dirty="0" smtClean="0"/>
-              <a:t>Trein</a:t>
-            </a:r>
-            <a:r>
-              <a:rPr lang="nl-NL" dirty="0" smtClean="0"/>
-              <a:t>	</a:t>
+              <a:t>oen van der Heide, Rick Beeloo, Thomas de Trein	</a:t>
             </a:r>
           </a:p>
         </p:txBody>
@@ -7822,13 +7797,8 @@
             <a:pPr lvl="1"/>
             <a:r>
               <a:rPr lang="nl-NL" dirty="0" smtClean="0"/>
-              <a:t>Zet deze in een sunburst en een tree diagram</a:t>
-            </a:r>
-            <a:r>
-              <a:rPr lang="nl-NL" dirty="0" smtClean="0"/>
-              <a:t>	</a:t>
-            </a:r>
-            <a:endParaRPr lang="nl-NL" dirty="0" smtClean="0"/>
+              <a:t>Zet deze in een sunburst en een tree diagram	</a:t>
+            </a:r>
           </a:p>
           <a:p>
             <a:endParaRPr lang="nl-NL" dirty="0"/>
@@ -7856,7 +7826,7 @@
 </file>
 
 <file path=ppt/slides/slide3.xml><?xml version="1.0" encoding="utf-8"?>
-<p:sld xmlns:a="http://schemas.openxmlformats.org/drawingml/2006/main" xmlns:r="http://schemas.openxmlformats.org/officeDocument/2006/relationships" xmlns:p="http://schemas.openxmlformats.org/presentationml/2006/main" show="0">
+<p:sld xmlns:a="http://schemas.openxmlformats.org/drawingml/2006/main" xmlns:r="http://schemas.openxmlformats.org/officeDocument/2006/relationships" xmlns:p="http://schemas.openxmlformats.org/presentationml/2006/main">
   <p:cSld>
     <p:spTree>
       <p:nvGrpSpPr>
@@ -7889,15 +7859,9 @@
           <a:p>
             <a:r>
               <a:rPr lang="nl-NL" dirty="0" smtClean="0"/>
-              <a:t>Workflow	</a:t>
-            </a:r>
-            <a:br>
-              <a:rPr lang="nl-NL" dirty="0" smtClean="0"/>
-            </a:br>
-            <a:r>
-              <a:rPr lang="nl-NL" dirty="0"/>
-              <a:t>	</a:t>
-            </a:r>
+              <a:t>Live demo :D	</a:t>
+            </a:r>
+            <a:endParaRPr lang="nl-NL" dirty="0"/>
           </a:p>
         </p:txBody>
       </p:sp>
@@ -7918,8 +7882,10 @@
           <a:p>
             <a:r>
               <a:rPr lang="nl-NL" dirty="0" smtClean="0"/>
-              <a:t>flowchart</a:t>
-            </a:r>
+              <a:t>#demotime</a:t>
+            </a:r>
+          </a:p>
+          <a:p>
             <a:endParaRPr lang="nl-NL" dirty="0"/>
           </a:p>
         </p:txBody>
@@ -7927,21 +7893,13 @@
     </p:spTree>
     <p:extLst>
       <p:ext uri="{BB962C8B-B14F-4D97-AF65-F5344CB8AC3E}">
-        <p14:creationId xmlns:p14="http://schemas.microsoft.com/office/powerpoint/2010/main" val="3602361717"/>
+        <p14:creationId xmlns:p14="http://schemas.microsoft.com/office/powerpoint/2010/main" val="14900858"/>
       </p:ext>
     </p:extLst>
   </p:cSld>
   <p:clrMapOvr>
     <a:masterClrMapping/>
   </p:clrMapOvr>
-  <mc:AlternateContent xmlns:mc="http://schemas.openxmlformats.org/markup-compatibility/2006">
-    <mc:Choice xmlns:p14="http://schemas.microsoft.com/office/powerpoint/2010/main" Requires="p14">
-      <p:transition spd="slow" p14:dur="2000"/>
-    </mc:Choice>
-    <mc:Fallback>
-      <p:transition spd="slow"/>
-    </mc:Fallback>
-  </mc:AlternateContent>
   <p:timing>
     <p:tnLst>
       <p:par>
@@ -7986,7 +7944,7 @@
           <a:p>
             <a:r>
               <a:rPr lang="nl-NL" dirty="0" smtClean="0"/>
-              <a:t>Live demo :D	</a:t>
+              <a:t>Discussie</a:t>
             </a:r>
             <a:endParaRPr lang="nl-NL" dirty="0"/>
           </a:p>
@@ -8009,96 +7967,7 @@
           <a:p>
             <a:r>
               <a:rPr lang="nl-NL" dirty="0" smtClean="0"/>
-              <a:t>#demotime</a:t>
-            </a:r>
-          </a:p>
-          <a:p>
-            <a:endParaRPr lang="nl-NL" dirty="0"/>
-          </a:p>
-        </p:txBody>
-      </p:sp>
-    </p:spTree>
-    <p:extLst>
-      <p:ext uri="{BB962C8B-B14F-4D97-AF65-F5344CB8AC3E}">
-        <p14:creationId xmlns:p14="http://schemas.microsoft.com/office/powerpoint/2010/main" val="14900858"/>
-      </p:ext>
-    </p:extLst>
-  </p:cSld>
-  <p:clrMapOvr>
-    <a:masterClrMapping/>
-  </p:clrMapOvr>
-  <p:timing>
-    <p:tnLst>
-      <p:par>
-        <p:cTn id="1" dur="indefinite" restart="never" nodeType="tmRoot"/>
-      </p:par>
-    </p:tnLst>
-  </p:timing>
-</p:sld>
-</file>
-
-<file path=ppt/slides/slide5.xml><?xml version="1.0" encoding="utf-8"?>
-<p:sld xmlns:a="http://schemas.openxmlformats.org/drawingml/2006/main" xmlns:r="http://schemas.openxmlformats.org/officeDocument/2006/relationships" xmlns:p="http://schemas.openxmlformats.org/presentationml/2006/main">
-  <p:cSld>
-    <p:spTree>
-      <p:nvGrpSpPr>
-        <p:cNvPr id="1" name=""/>
-        <p:cNvGrpSpPr/>
-        <p:nvPr/>
-      </p:nvGrpSpPr>
-      <p:grpSpPr>
-        <a:xfrm>
-          <a:off x="0" y="0"/>
-          <a:ext cx="0" cy="0"/>
-          <a:chOff x="0" y="0"/>
-          <a:chExt cx="0" cy="0"/>
-        </a:xfrm>
-      </p:grpSpPr>
-      <p:sp>
-        <p:nvSpPr>
-          <p:cNvPr id="2" name="Title 1"/>
-          <p:cNvSpPr>
-            <a:spLocks noGrp="1"/>
-          </p:cNvSpPr>
-          <p:nvPr>
-            <p:ph type="title"/>
-          </p:nvPr>
-        </p:nvSpPr>
-        <p:spPr/>
-        <p:txBody>
-          <a:bodyPr/>
-          <a:lstStyle/>
-          <a:p>
-            <a:r>
-              <a:rPr lang="nl-NL" dirty="0" smtClean="0"/>
-              <a:t>Discussie</a:t>
-            </a:r>
-            <a:endParaRPr lang="nl-NL" dirty="0"/>
-          </a:p>
-        </p:txBody>
-      </p:sp>
-      <p:sp>
-        <p:nvSpPr>
-          <p:cNvPr id="3" name="Content Placeholder 2"/>
-          <p:cNvSpPr>
-            <a:spLocks noGrp="1"/>
-          </p:cNvSpPr>
-          <p:nvPr>
-            <p:ph idx="1"/>
-          </p:nvPr>
-        </p:nvSpPr>
-        <p:spPr/>
-        <p:txBody>
-          <a:bodyPr/>
-          <a:lstStyle/>
-          <a:p>
-            <a:r>
-              <a:rPr lang="nl-NL" dirty="0" smtClean="0"/>
-              <a:t>Verbeterpunten &amp; </a:t>
-            </a:r>
-            <a:r>
-              <a:rPr lang="nl-NL" dirty="0" smtClean="0"/>
-              <a:t>vervolgonderzoek</a:t>
+              <a:t>Verbeterpunten &amp; vervolgonderzoek</a:t>
             </a:r>
           </a:p>
           <a:p>
@@ -8237,7 +8106,7 @@
 </p:sld>
 </file>
 
-<file path=ppt/slides/slide6.xml><?xml version="1.0" encoding="utf-8"?>
+<file path=ppt/slides/slide5.xml><?xml version="1.0" encoding="utf-8"?>
 <p:sld xmlns:a="http://schemas.openxmlformats.org/drawingml/2006/main" xmlns:r="http://schemas.openxmlformats.org/officeDocument/2006/relationships" xmlns:p="http://schemas.openxmlformats.org/presentationml/2006/main">
   <p:cSld>
     <p:spTree>
